--- a/Short Story/Jocelyn_Baduria_DRL_Imaging_Literature_Review.pptx
+++ b/Short Story/Jocelyn_Baduria_DRL_Imaging_Literature_Review.pptx
@@ -38,12 +38,13 @@
     <p:sldId id="286" r:id="rId32"/>
     <p:sldId id="289" r:id="rId33"/>
     <p:sldId id="290" r:id="rId34"/>
-    <p:sldId id="292" r:id="rId35"/>
-    <p:sldId id="291" r:id="rId36"/>
-    <p:sldId id="293" r:id="rId37"/>
-    <p:sldId id="294" r:id="rId38"/>
-    <p:sldId id="295" r:id="rId39"/>
-    <p:sldId id="288" r:id="rId40"/>
+    <p:sldId id="297" r:id="rId35"/>
+    <p:sldId id="292" r:id="rId36"/>
+    <p:sldId id="291" r:id="rId37"/>
+    <p:sldId id="293" r:id="rId38"/>
+    <p:sldId id="294" r:id="rId39"/>
+    <p:sldId id="295" r:id="rId40"/>
+    <p:sldId id="298" r:id="rId41"/>
   </p:sldIdLst>
   <p:sldSz cx="12192000" cy="6858000"/>
   <p:notesSz cx="6858000" cy="9144000"/>
@@ -15330,7 +15331,7 @@
             </a:r>
             <a:r>
               <a:rPr lang="en-US" sz="2400" dirty="0"/>
-              <a:t>onclusions</a:t>
+              <a:t>onclusion</a:t>
             </a:r>
           </a:p>
           <a:p>
@@ -17984,7 +17985,7 @@
         </p:nvSpPr>
         <p:spPr>
           <a:xfrm>
-            <a:off x="643362" y="1351918"/>
+            <a:off x="722874" y="1325414"/>
             <a:ext cx="11221376" cy="4840538"/>
           </a:xfrm>
         </p:spPr>
@@ -18220,8 +18221,8 @@
         </p:blipFill>
         <p:spPr>
           <a:xfrm>
-            <a:off x="8920600" y="954911"/>
-            <a:ext cx="2990438" cy="4238970"/>
+            <a:off x="9289774" y="477833"/>
+            <a:ext cx="2475490" cy="3509027"/>
           </a:xfrm>
           <a:prstGeom prst="rect">
             <a:avLst/>
@@ -18970,24 +18971,188 @@
               <a:buNone/>
             </a:pPr>
             <a:r>
-              <a:rPr lang="en-US" sz="2000" dirty="0"/>
-              <a:t>  </a:t>
-            </a:r>
-            <a:r>
               <a:rPr lang="en-US" sz="2000" b="1" dirty="0"/>
-              <a:t> - </a:t>
-            </a:r>
-            <a:r>
-              <a:rPr lang="en-US" sz="2600" dirty="0"/>
-              <a:t>N</a:t>
-            </a:r>
-            <a:r>
-              <a:rPr lang="en-US" sz="2000" dirty="0"/>
-              <a:t>ew</a:t>
+              <a:t>   </a:t>
+            </a:r>
+            <a:r>
+              <a:rPr lang="en-US" sz="2400" b="1" dirty="0"/>
+              <a:t>-</a:t>
+            </a:r>
+            <a:r>
+              <a:rPr lang="en-US" sz="2000" b="1" dirty="0"/>
+              <a:t> </a:t>
+            </a:r>
+            <a:r>
+              <a:rPr lang="en-US" sz="2400" dirty="0"/>
+              <a:t>P</a:t>
+            </a:r>
+            <a:r>
+              <a:rPr lang="en-US" sz="2000" dirty="0"/>
+              <a:t>laque Atherosclerosis monitoring is being explored by DRL.</a:t>
+            </a:r>
+          </a:p>
+          <a:p>
+            <a:pPr marL="0" indent="0">
+              <a:buNone/>
+            </a:pPr>
+            <a:r>
+              <a:rPr lang="en-US" sz="2000" dirty="0"/>
+              <a:t>   </a:t>
+            </a:r>
+            <a:r>
+              <a:rPr lang="en-US" sz="2400" b="1" dirty="0"/>
+              <a:t>-</a:t>
+            </a:r>
+            <a:r>
+              <a:rPr lang="en-US" sz="2000" dirty="0"/>
+              <a:t> </a:t>
+            </a:r>
+            <a:r>
+              <a:rPr lang="en-US" sz="2400" dirty="0"/>
+              <a:t>P</a:t>
+            </a:r>
+            <a:r>
+              <a:rPr lang="en-US" sz="2000" dirty="0"/>
+              <a:t>laque is composed of cholesterol, fat, calcium, and other</a:t>
+            </a:r>
+          </a:p>
+          <a:p>
+            <a:pPr marL="0" indent="0">
+              <a:buNone/>
+            </a:pPr>
+            <a:r>
+              <a:rPr lang="en-US" sz="2000" dirty="0"/>
+              <a:t>      substances found in the blood. This buildup can lead to</a:t>
+            </a:r>
+          </a:p>
+          <a:p>
+            <a:pPr marL="0" indent="0">
+              <a:buNone/>
+            </a:pPr>
+            <a:r>
+              <a:rPr lang="en-US" sz="2000" dirty="0"/>
+              <a:t>      serious health problems or even death.</a:t>
+            </a:r>
+          </a:p>
+          <a:p>
+            <a:pPr marL="0" indent="0">
+              <a:buNone/>
+            </a:pPr>
+            <a:r>
+              <a:rPr lang="en-US" sz="2000" dirty="0"/>
+              <a:t>   </a:t>
+            </a:r>
+            <a:r>
+              <a:rPr lang="en-US" sz="2000" b="1" dirty="0"/>
+              <a:t>- </a:t>
+            </a:r>
+            <a:r>
+              <a:rPr lang="en-US" sz="2400" dirty="0"/>
+              <a:t>S</a:t>
+            </a:r>
+            <a:r>
+              <a:rPr lang="en-US" sz="2000" dirty="0"/>
+              <a:t>till this proposal is having some challenges due to various intravascular morphology.</a:t>
             </a:r>
           </a:p>
         </p:txBody>
       </p:sp>
+      <p:pic>
+        <p:nvPicPr>
+          <p:cNvPr id="5" name="Picture 4" descr="Diagram&#10;&#10;Description automatically generated">
+            <a:extLst>
+              <a:ext uri="{FF2B5EF4-FFF2-40B4-BE49-F238E27FC236}">
+                <a16:creationId xmlns:a16="http://schemas.microsoft.com/office/drawing/2014/main" id="{0CFEC9DC-4555-CD49-A920-503E8E85F2EF}"/>
+              </a:ext>
+            </a:extLst>
+          </p:cNvPr>
+          <p:cNvPicPr>
+            <a:picLocks noChangeAspect="1"/>
+          </p:cNvPicPr>
+          <p:nvPr/>
+        </p:nvPicPr>
+        <p:blipFill rotWithShape="1">
+          <a:blip r:embed="rId2"/>
+          <a:srcRect b="17527"/>
+          <a:stretch/>
+        </p:blipFill>
+        <p:spPr>
+          <a:xfrm>
+            <a:off x="8721385" y="510184"/>
+            <a:ext cx="2767315" cy="2743585"/>
+          </a:xfrm>
+          <a:prstGeom prst="rect">
+            <a:avLst/>
+          </a:prstGeom>
+        </p:spPr>
+      </p:pic>
+      <p:sp>
+        <p:nvSpPr>
+          <p:cNvPr id="6" name="Rectangle 5">
+            <a:extLst>
+              <a:ext uri="{FF2B5EF4-FFF2-40B4-BE49-F238E27FC236}">
+                <a16:creationId xmlns:a16="http://schemas.microsoft.com/office/drawing/2014/main" id="{E4AE3224-A9D3-5147-AE66-FCBC43671C29}"/>
+              </a:ext>
+            </a:extLst>
+          </p:cNvPr>
+          <p:cNvSpPr/>
+          <p:nvPr/>
+        </p:nvSpPr>
+        <p:spPr>
+          <a:xfrm>
+            <a:off x="9369351" y="3253769"/>
+            <a:ext cx="1015150" cy="246221"/>
+          </a:xfrm>
+          <a:prstGeom prst="rect">
+            <a:avLst/>
+          </a:prstGeom>
+        </p:spPr>
+        <p:txBody>
+          <a:bodyPr wrap="square">
+            <a:spAutoFit/>
+          </a:bodyPr>
+          <a:lstStyle/>
+          <a:p>
+            <a:r>
+              <a:rPr lang="en-US" sz="1000" dirty="0">
+                <a:hlinkClick r:id="rId3"/>
+              </a:rPr>
+              <a:t>Fig A. Plaque</a:t>
+            </a:r>
+            <a:endParaRPr lang="en-US" sz="1000" dirty="0"/>
+          </a:p>
+        </p:txBody>
+      </p:sp>
+      <p:pic>
+        <p:nvPicPr>
+          <p:cNvPr id="8" name="Picture 7" descr="Graphical user interface, application&#10;&#10;Description automatically generated">
+            <a:extLst>
+              <a:ext uri="{FF2B5EF4-FFF2-40B4-BE49-F238E27FC236}">
+                <a16:creationId xmlns:a16="http://schemas.microsoft.com/office/drawing/2014/main" id="{A3F43FD6-53CD-154B-B3EC-D94D7444D1B2}"/>
+              </a:ext>
+            </a:extLst>
+          </p:cNvPr>
+          <p:cNvPicPr>
+            <a:picLocks noChangeAspect="1"/>
+          </p:cNvPicPr>
+          <p:nvPr/>
+        </p:nvPicPr>
+        <p:blipFill>
+          <a:blip r:embed="rId4"/>
+          <a:stretch>
+            <a:fillRect/>
+          </a:stretch>
+        </p:blipFill>
+        <p:spPr>
+          <a:xfrm>
+            <a:off x="3912244" y="4200024"/>
+            <a:ext cx="3599726" cy="2447433"/>
+          </a:xfrm>
+          <a:prstGeom prst="rect">
+            <a:avLst/>
+          </a:prstGeom>
+        </p:spPr>
+      </p:pic>
     </p:spTree>
     <p:extLst>
       <p:ext uri="{BB962C8B-B14F-4D97-AF65-F5344CB8AC3E}">
@@ -19147,15 +19312,108 @@
             </a:r>
             <a:r>
               <a:rPr lang="en-US" sz="2600" dirty="0"/>
-              <a:t>N</a:t>
-            </a:r>
-            <a:r>
-              <a:rPr lang="en-US" sz="2000" dirty="0"/>
-              <a:t>ew</a:t>
+              <a:t>D</a:t>
+            </a:r>
+            <a:r>
+              <a:rPr lang="en-US" sz="2000" dirty="0"/>
+              <a:t>RL using navigation model tracing the vessel centerline.</a:t>
+            </a:r>
+          </a:p>
+          <a:p>
+            <a:pPr marL="0" indent="0">
+              <a:buNone/>
+            </a:pPr>
+            <a:r>
+              <a:rPr lang="en-US" sz="2000" dirty="0"/>
+              <a:t>      A point to curve measure is defined in two terms </a:t>
+            </a:r>
+          </a:p>
+          <a:p>
+            <a:pPr marL="0" indent="0">
+              <a:buNone/>
+            </a:pPr>
+            <a:r>
+              <a:rPr lang="en-US" sz="2000" dirty="0"/>
+              <a:t>     - Pulls agent position towards the true center label</a:t>
+            </a:r>
+          </a:p>
+          <a:p>
+            <a:pPr marL="0" indent="0">
+              <a:buNone/>
+            </a:pPr>
+            <a:r>
+              <a:rPr lang="en-US" sz="2000" dirty="0"/>
+              <a:t>     - The agent is force towards the direction of curve. </a:t>
+            </a:r>
+          </a:p>
+          <a:p>
+            <a:pPr marL="0" indent="0">
+              <a:buNone/>
+            </a:pPr>
+            <a:r>
+              <a:rPr lang="en-US" sz="2000" dirty="0"/>
+              <a:t>     - This method achieves good performance compared with 3D CNN supervised </a:t>
+            </a:r>
+          </a:p>
+          <a:p>
+            <a:pPr marL="0" indent="0">
+              <a:buNone/>
+            </a:pPr>
+            <a:r>
+              <a:rPr lang="en-US" sz="2000" dirty="0"/>
+              <a:t>       learning.</a:t>
+            </a:r>
+          </a:p>
+          <a:p>
+            <a:pPr marL="0" indent="0">
+              <a:buNone/>
+            </a:pPr>
+            <a:r>
+              <a:rPr lang="en-US" sz="2000" dirty="0"/>
+              <a:t>     - The method was updated using DDQN with 3D CNN to improve the centerline </a:t>
+            </a:r>
+          </a:p>
+          <a:p>
+            <a:pPr marL="0" indent="0">
+              <a:buNone/>
+            </a:pPr>
+            <a:r>
+              <a:rPr lang="en-US" sz="2000" dirty="0"/>
+              <a:t>       accuracy with speed of 7seconds of inference.</a:t>
             </a:r>
           </a:p>
         </p:txBody>
       </p:sp>
+      <p:pic>
+        <p:nvPicPr>
+          <p:cNvPr id="5" name="Picture 4" descr="A picture containing text&#10;&#10;Description automatically generated">
+            <a:extLst>
+              <a:ext uri="{FF2B5EF4-FFF2-40B4-BE49-F238E27FC236}">
+                <a16:creationId xmlns:a16="http://schemas.microsoft.com/office/drawing/2014/main" id="{7AEEE61B-39B3-8548-9A4D-7F9E32354B05}"/>
+              </a:ext>
+            </a:extLst>
+          </p:cNvPr>
+          <p:cNvPicPr>
+            <a:picLocks noChangeAspect="1"/>
+          </p:cNvPicPr>
+          <p:nvPr/>
+        </p:nvPicPr>
+        <p:blipFill>
+          <a:blip r:embed="rId2"/>
+          <a:stretch>
+            <a:fillRect/>
+          </a:stretch>
+        </p:blipFill>
+        <p:spPr>
+          <a:xfrm>
+            <a:off x="8222875" y="844636"/>
+            <a:ext cx="3372063" cy="2584363"/>
+          </a:xfrm>
+          <a:prstGeom prst="rect">
+            <a:avLst/>
+          </a:prstGeom>
+        </p:spPr>
+      </p:pic>
     </p:spTree>
     <p:extLst>
       <p:ext uri="{BB962C8B-B14F-4D97-AF65-F5344CB8AC3E}">
@@ -19294,11 +19552,11 @@
             </a:pPr>
             <a:r>
               <a:rPr lang="en-US" sz="3000" dirty="0"/>
-              <a:t>I</a:t>
+              <a:t>S</a:t>
             </a:r>
             <a:r>
               <a:rPr lang="en-US" sz="2200" dirty="0"/>
-              <a:t>mage Classification</a:t>
+              <a:t>olving Optimization using DRL</a:t>
             </a:r>
           </a:p>
           <a:p>
@@ -19314,12 +19572,74 @@
               <a:t> - </a:t>
             </a:r>
             <a:r>
+              <a:rPr lang="en-US" sz="2400" dirty="0"/>
+              <a:t>D</a:t>
+            </a:r>
+            <a:r>
+              <a:rPr lang="en-US" sz="2000" dirty="0"/>
+              <a:t>RL</a:t>
+            </a:r>
+            <a:r>
               <a:rPr lang="en-US" sz="2600" dirty="0"/>
-              <a:t>N</a:t>
-            </a:r>
-            <a:r>
-              <a:rPr lang="en-US" sz="2000" dirty="0"/>
-              <a:t>ew</a:t>
+              <a:t> </a:t>
+            </a:r>
+            <a:r>
+              <a:rPr lang="en-US" sz="2000" dirty="0"/>
+              <a:t>is known to handle “non-differentiable metrics” therefore it is widely used for </a:t>
+            </a:r>
+          </a:p>
+          <a:p>
+            <a:pPr marL="0" indent="0">
+              <a:buNone/>
+            </a:pPr>
+            <a:r>
+              <a:rPr lang="en-US" sz="2000" dirty="0"/>
+              <a:t>      optimizations.</a:t>
+            </a:r>
+          </a:p>
+          <a:p>
+            <a:pPr marL="0" indent="0">
+              <a:buNone/>
+            </a:pPr>
+            <a:r>
+              <a:rPr lang="en-US" sz="2000" dirty="0"/>
+              <a:t>      1. Tuning Hyperparameter</a:t>
+            </a:r>
+          </a:p>
+          <a:p>
+            <a:pPr marL="0" indent="0">
+              <a:buNone/>
+            </a:pPr>
+            <a:r>
+              <a:rPr lang="en-US" sz="2000" dirty="0"/>
+              <a:t>      2. Image Augmentation</a:t>
+            </a:r>
+          </a:p>
+          <a:p>
+            <a:pPr marL="0" indent="0">
+              <a:buNone/>
+            </a:pPr>
+            <a:r>
+              <a:rPr lang="en-US" sz="2000" dirty="0"/>
+              <a:t>      3. Image Classification</a:t>
+            </a:r>
+          </a:p>
+          <a:p>
+            <a:pPr marL="0" indent="0">
+              <a:buNone/>
+            </a:pPr>
+            <a:r>
+              <a:rPr lang="en-US" sz="2000" dirty="0"/>
+              <a:t>      4. Searching Neural Network for Augmentation</a:t>
+            </a:r>
+          </a:p>
+          <a:p>
+            <a:pPr marL="0" indent="0">
+              <a:buNone/>
+            </a:pPr>
+            <a:r>
+              <a:rPr lang="en-US" sz="2000" dirty="0"/>
+              <a:t>    </a:t>
             </a:r>
           </a:p>
         </p:txBody>
@@ -19466,7 +19786,7 @@
             </a:r>
             <a:r>
               <a:rPr lang="en-US" sz="2200" dirty="0"/>
-              <a:t>mage Segmentation</a:t>
+              <a:t>mage Classification</a:t>
             </a:r>
           </a:p>
           <a:p>
@@ -19479,15 +19799,122 @@
             </a:r>
             <a:r>
               <a:rPr lang="en-US" sz="2000" b="1" dirty="0"/>
-              <a:t> - </a:t>
+              <a:t> </a:t>
+            </a:r>
+            <a:r>
+              <a:rPr lang="en-US" sz="2400" b="1" dirty="0"/>
+              <a:t>-</a:t>
+            </a:r>
+            <a:r>
+              <a:rPr lang="en-US" sz="2000" b="1" dirty="0"/>
+              <a:t> </a:t>
             </a:r>
             <a:r>
               <a:rPr lang="en-US" sz="2600" dirty="0"/>
-              <a:t>N</a:t>
-            </a:r>
-            <a:r>
-              <a:rPr lang="en-US" sz="2000" dirty="0"/>
-              <a:t>ew</a:t>
+              <a:t>C</a:t>
+            </a:r>
+            <a:r>
+              <a:rPr lang="en-US" sz="2000" dirty="0"/>
+              <a:t>NN model integration with question and answering RL-Based method.</a:t>
+            </a:r>
+          </a:p>
+          <a:p>
+            <a:pPr marL="0" indent="0">
+              <a:buNone/>
+            </a:pPr>
+            <a:r>
+              <a:rPr lang="en-US" sz="2000" dirty="0"/>
+              <a:t>   </a:t>
+            </a:r>
+            <a:r>
+              <a:rPr lang="en-US" sz="2400" b="1" dirty="0"/>
+              <a:t>- </a:t>
+            </a:r>
+            <a:r>
+              <a:rPr lang="en-US" sz="2400" dirty="0"/>
+              <a:t>D</a:t>
+            </a:r>
+            <a:r>
+              <a:rPr lang="en-US" sz="2000" dirty="0"/>
+              <a:t>NN agent asked the patient about the skin disease symptom using CNN visual </a:t>
+            </a:r>
+          </a:p>
+          <a:p>
+            <a:pPr marL="0" indent="0">
+              <a:buNone/>
+            </a:pPr>
+            <a:r>
+              <a:rPr lang="en-US" sz="2000" dirty="0"/>
+              <a:t>      information and answers.</a:t>
+            </a:r>
+          </a:p>
+          <a:p>
+            <a:pPr marL="0" indent="0">
+              <a:buNone/>
+            </a:pPr>
+            <a:r>
+              <a:rPr lang="en-US" sz="2400" b="1" dirty="0"/>
+              <a:t>   - </a:t>
+            </a:r>
+            <a:r>
+              <a:rPr lang="en-US" sz="2400" dirty="0"/>
+              <a:t>D</a:t>
+            </a:r>
+            <a:r>
+              <a:rPr lang="en-US" sz="2000" dirty="0"/>
+              <a:t>NN learned from this method based on question and answering the patient.</a:t>
+            </a:r>
+          </a:p>
+          <a:p>
+            <a:pPr marL="0" indent="0">
+              <a:buNone/>
+            </a:pPr>
+            <a:r>
+              <a:rPr lang="en-US" sz="2000" dirty="0"/>
+              <a:t>    </a:t>
+            </a:r>
+            <a:r>
+              <a:rPr lang="en-US" sz="2400" b="1" dirty="0"/>
+              <a:t>-</a:t>
+            </a:r>
+            <a:r>
+              <a:rPr lang="en-US" sz="2000" dirty="0"/>
+              <a:t> This approach improves the classification accuracy greater than 20% compared only        </a:t>
+            </a:r>
+          </a:p>
+          <a:p>
+            <a:pPr marL="0" indent="0">
+              <a:buNone/>
+            </a:pPr>
+            <a:r>
+              <a:rPr lang="en-US" sz="2000" dirty="0"/>
+              <a:t>       to CNN using only visualization.</a:t>
+            </a:r>
+          </a:p>
+          <a:p>
+            <a:pPr marL="0" indent="0">
+              <a:buNone/>
+            </a:pPr>
+            <a:r>
+              <a:rPr lang="en-US" sz="2000" dirty="0"/>
+              <a:t>    </a:t>
+            </a:r>
+            <a:r>
+              <a:rPr lang="en-US" sz="2400" b="1" dirty="0"/>
+              <a:t>-</a:t>
+            </a:r>
+            <a:r>
+              <a:rPr lang="en-US" sz="2000" dirty="0"/>
+              <a:t> It shortened the diagnosis in average time compared to decision tree-based QA </a:t>
+            </a:r>
+          </a:p>
+          <a:p>
+            <a:pPr marL="0" indent="0">
+              <a:buNone/>
+            </a:pPr>
+            <a:r>
+              <a:rPr lang="en-US" sz="2000" dirty="0"/>
+              <a:t>      approach.</a:t>
             </a:r>
           </a:p>
         </p:txBody>
@@ -19495,7 +19922,7 @@
     </p:spTree>
     <p:extLst>
       <p:ext uri="{BB962C8B-B14F-4D97-AF65-F5344CB8AC3E}">
-        <p14:creationId xmlns:p14="http://schemas.microsoft.com/office/powerpoint/2010/main" val="2879960102"/>
+        <p14:creationId xmlns:p14="http://schemas.microsoft.com/office/powerpoint/2010/main" val="3806671014"/>
       </p:ext>
     </p:extLst>
   </p:cSld>
@@ -19634,7 +20061,7 @@
             </a:r>
             <a:r>
               <a:rPr lang="en-US" sz="2200" dirty="0"/>
-              <a:t>mage Acquisition and Reconstruction</a:t>
+              <a:t>mage Segmentation</a:t>
             </a:r>
           </a:p>
           <a:p>
@@ -19651,19 +20078,115 @@
             </a:r>
             <a:r>
               <a:rPr lang="en-US" sz="2600" dirty="0"/>
-              <a:t>N</a:t>
-            </a:r>
-            <a:r>
-              <a:rPr lang="en-US" sz="2000" dirty="0"/>
-              <a:t>ew</a:t>
+              <a:t>A</a:t>
+            </a:r>
+            <a:r>
+              <a:rPr lang="en-US" sz="2000" dirty="0"/>
+              <a:t>ssigning label to pixels helps in finding the perfect</a:t>
+            </a:r>
+          </a:p>
+          <a:p>
+            <a:pPr marL="0" indent="0">
+              <a:buNone/>
+            </a:pPr>
+            <a:r>
+              <a:rPr lang="en-US" sz="2000" dirty="0"/>
+              <a:t>     boundaries of anatomical structure of medical image.</a:t>
+            </a:r>
+          </a:p>
+          <a:p>
+            <a:pPr marL="0" indent="0">
+              <a:buNone/>
+            </a:pPr>
+            <a:r>
+              <a:rPr lang="en-US" sz="2000" dirty="0"/>
+              <a:t>   - This method realized the object image segmentation</a:t>
+            </a:r>
+          </a:p>
+          <a:p>
+            <a:pPr marL="0" indent="0">
+              <a:buNone/>
+            </a:pPr>
+            <a:r>
+              <a:rPr lang="en-US" sz="2000" dirty="0"/>
+              <a:t>     and mostly used for pre- processing. However, this method is intractable in size and not  </a:t>
+            </a:r>
+          </a:p>
+          <a:p>
+            <a:pPr marL="0" indent="0">
+              <a:buNone/>
+            </a:pPr>
+            <a:r>
+              <a:rPr lang="en-US" sz="2000" dirty="0"/>
+              <a:t>     yet fully utilized to meet the clinical requirements for 3D image segmentation.</a:t>
+            </a:r>
+          </a:p>
+          <a:p>
+            <a:pPr marL="0" indent="0">
+              <a:buNone/>
+            </a:pPr>
+            <a:r>
+              <a:rPr lang="en-US" sz="2000" dirty="0"/>
+              <a:t>   - State of the art proposed NAS (Neural Architecture Search) improves the image </a:t>
+            </a:r>
+          </a:p>
+          <a:p>
+            <a:pPr marL="0" indent="0">
+              <a:buNone/>
+            </a:pPr>
+            <a:r>
+              <a:rPr lang="en-US" sz="2000" dirty="0"/>
+              <a:t>     search automation for special application however it is not used often in medical </a:t>
+            </a:r>
+          </a:p>
+          <a:p>
+            <a:pPr marL="0" indent="0">
+              <a:buNone/>
+            </a:pPr>
+            <a:r>
+              <a:rPr lang="en-US" sz="2000" dirty="0"/>
+              <a:t>     image segmentation.</a:t>
             </a:r>
           </a:p>
         </p:txBody>
       </p:sp>
+      <p:pic>
+        <p:nvPicPr>
+          <p:cNvPr id="5" name="Picture 4" descr="Graphical user interface&#10;&#10;Description automatically generated with medium confidence">
+            <a:extLst>
+              <a:ext uri="{FF2B5EF4-FFF2-40B4-BE49-F238E27FC236}">
+                <a16:creationId xmlns:a16="http://schemas.microsoft.com/office/drawing/2014/main" id="{298ECEEF-A856-454F-8BE5-28978F8D5572}"/>
+              </a:ext>
+            </a:extLst>
+          </p:cNvPr>
+          <p:cNvPicPr>
+            <a:picLocks noChangeAspect="1"/>
+          </p:cNvPicPr>
+          <p:nvPr/>
+        </p:nvPicPr>
+        <p:blipFill>
+          <a:blip r:embed="rId2"/>
+          <a:stretch>
+            <a:fillRect/>
+          </a:stretch>
+        </p:blipFill>
+        <p:spPr>
+          <a:xfrm>
+            <a:off x="8021256" y="572946"/>
+            <a:ext cx="3573682" cy="2558105"/>
+          </a:xfrm>
+          <a:prstGeom prst="rect">
+            <a:avLst/>
+          </a:prstGeom>
+          <a:ln>
+            <a:noFill/>
+          </a:ln>
+        </p:spPr>
+      </p:pic>
     </p:spTree>
     <p:extLst>
       <p:ext uri="{BB962C8B-B14F-4D97-AF65-F5344CB8AC3E}">
-        <p14:creationId xmlns:p14="http://schemas.microsoft.com/office/powerpoint/2010/main" val="398011748"/>
+        <p14:creationId xmlns:p14="http://schemas.microsoft.com/office/powerpoint/2010/main" val="2879960102"/>
       </p:ext>
     </p:extLst>
   </p:cSld>
@@ -19798,11 +20321,11 @@
             </a:pPr>
             <a:r>
               <a:rPr lang="en-US" sz="3000" dirty="0"/>
-              <a:t>R</a:t>
+              <a:t>I</a:t>
             </a:r>
             <a:r>
               <a:rPr lang="en-US" sz="2200" dirty="0"/>
-              <a:t>adiotheraphy Planning</a:t>
+              <a:t>mage Acquisition and Reconstruction</a:t>
             </a:r>
           </a:p>
           <a:p>
@@ -19819,19 +20342,106 @@
             </a:r>
             <a:r>
               <a:rPr lang="en-US" sz="2600" dirty="0"/>
-              <a:t>N</a:t>
-            </a:r>
-            <a:r>
-              <a:rPr lang="en-US" sz="2000" dirty="0"/>
-              <a:t>ew</a:t>
-            </a:r>
+              <a:t>C</a:t>
+            </a:r>
+            <a:r>
+              <a:rPr lang="en-US" sz="2000" dirty="0"/>
+              <a:t>T</a:t>
+            </a:r>
+            <a:r>
+              <a:rPr lang="en-US" sz="2600" dirty="0"/>
+              <a:t> </a:t>
+            </a:r>
+            <a:r>
+              <a:rPr lang="en-US" sz="2000" dirty="0"/>
+              <a:t>Metal artifacts affects the clinical decision making because of image </a:t>
+            </a:r>
+          </a:p>
+          <a:p>
+            <a:pPr marL="0" indent="0">
+              <a:buNone/>
+            </a:pPr>
+            <a:r>
+              <a:rPr lang="en-US" sz="2000" dirty="0"/>
+              <a:t>      inconsistency.</a:t>
+            </a:r>
+          </a:p>
+          <a:p>
+            <a:pPr marL="0" indent="0">
+              <a:buNone/>
+            </a:pPr>
+            <a:r>
+              <a:rPr lang="en-US" sz="2000" dirty="0"/>
+              <a:t>   </a:t>
+            </a:r>
+            <a:r>
+              <a:rPr lang="en-US" sz="2400" b="1" dirty="0"/>
+              <a:t>-</a:t>
+            </a:r>
+            <a:r>
+              <a:rPr lang="en-US" sz="2000" dirty="0"/>
+              <a:t> </a:t>
+            </a:r>
+            <a:r>
+              <a:rPr lang="en-US" sz="2400" dirty="0"/>
+              <a:t>U</a:t>
+            </a:r>
+            <a:r>
+              <a:rPr lang="en-US" sz="2000" dirty="0"/>
+              <a:t>sing the iterative CT reconstruction helps to solve the optimization issue in medical </a:t>
+            </a:r>
+          </a:p>
+          <a:p>
+            <a:pPr marL="0" indent="0">
+              <a:buNone/>
+            </a:pPr>
+            <a:r>
+              <a:rPr lang="en-US" sz="2000" dirty="0"/>
+              <a:t>     image.</a:t>
+            </a:r>
+          </a:p>
+          <a:p>
+            <a:pPr marL="0" indent="0">
+              <a:buNone/>
+            </a:pPr>
+            <a:endParaRPr lang="en-US" sz="2000" dirty="0"/>
           </a:p>
         </p:txBody>
       </p:sp>
+      <p:pic>
+        <p:nvPicPr>
+          <p:cNvPr id="5" name="Picture 4" descr="A picture containing graphical user interface&#10;&#10;Description automatically generated">
+            <a:extLst>
+              <a:ext uri="{FF2B5EF4-FFF2-40B4-BE49-F238E27FC236}">
+                <a16:creationId xmlns:a16="http://schemas.microsoft.com/office/drawing/2014/main" id="{97C04B30-CF34-CA44-8787-A469E84CA7F3}"/>
+              </a:ext>
+            </a:extLst>
+          </p:cNvPr>
+          <p:cNvPicPr>
+            <a:picLocks noChangeAspect="1"/>
+          </p:cNvPicPr>
+          <p:nvPr/>
+        </p:nvPicPr>
+        <p:blipFill>
+          <a:blip r:embed="rId2"/>
+          <a:stretch>
+            <a:fillRect/>
+          </a:stretch>
+        </p:blipFill>
+        <p:spPr>
+          <a:xfrm>
+            <a:off x="3361159" y="3487356"/>
+            <a:ext cx="4775200" cy="2705100"/>
+          </a:xfrm>
+          <a:prstGeom prst="rect">
+            <a:avLst/>
+          </a:prstGeom>
+        </p:spPr>
+      </p:pic>
     </p:spTree>
     <p:extLst>
       <p:ext uri="{BB962C8B-B14F-4D97-AF65-F5344CB8AC3E}">
-        <p14:creationId xmlns:p14="http://schemas.microsoft.com/office/powerpoint/2010/main" val="3414652712"/>
+        <p14:creationId xmlns:p14="http://schemas.microsoft.com/office/powerpoint/2010/main" val="398011748"/>
       </p:ext>
     </p:extLst>
   </p:cSld>
@@ -19966,79 +20576,84 @@
             </a:pPr>
             <a:r>
               <a:rPr lang="en-US" sz="3000" dirty="0"/>
-              <a:t>M</a:t>
+              <a:t>R</a:t>
             </a:r>
             <a:r>
               <a:rPr lang="en-US" sz="2200" dirty="0"/>
-              <a:t>iscellaneous Topics</a:t>
-            </a:r>
-          </a:p>
-          <a:p>
-            <a:pPr marL="0" indent="0">
-              <a:buNone/>
-            </a:pPr>
-            <a:r>
-              <a:rPr lang="en-US" sz="2000" dirty="0"/>
-              <a:t>   1. </a:t>
+              <a:t>adiotheraphy Planning</a:t>
+            </a:r>
+          </a:p>
+          <a:p>
+            <a:pPr marL="0" indent="0">
+              <a:buNone/>
+            </a:pPr>
+            <a:r>
+              <a:rPr lang="en-US" sz="2000" dirty="0"/>
+              <a:t>  </a:t>
+            </a:r>
+            <a:r>
+              <a:rPr lang="en-US" sz="2000" b="1" dirty="0"/>
+              <a:t> - </a:t>
             </a:r>
             <a:r>
               <a:rPr lang="en-US" sz="2600" dirty="0"/>
-              <a:t>V</a:t>
-            </a:r>
-            <a:r>
-              <a:rPr lang="en-US" sz="2000" dirty="0"/>
-              <a:t>ideo Summarization</a:t>
-            </a:r>
-          </a:p>
-          <a:p>
-            <a:pPr marL="0" indent="0">
-              <a:buNone/>
-            </a:pPr>
-            <a:r>
-              <a:rPr lang="en-US" sz="2000" dirty="0"/>
-              <a:t>   2. </a:t>
-            </a:r>
-            <a:r>
-              <a:rPr lang="en-US" sz="2600" dirty="0"/>
-              <a:t>S</a:t>
-            </a:r>
-            <a:r>
-              <a:rPr lang="en-US" sz="2000" dirty="0"/>
-              <a:t>urgical gesture segmentation and classification</a:t>
-            </a:r>
-          </a:p>
-          <a:p>
-            <a:pPr marL="0" indent="0">
-              <a:buNone/>
-            </a:pPr>
-            <a:r>
-              <a:rPr lang="en-US" sz="2000" dirty="0"/>
-              <a:t>   3. </a:t>
-            </a:r>
-            <a:r>
-              <a:rPr lang="en-US" sz="2600" dirty="0"/>
-              <a:t>P</a:t>
-            </a:r>
-            <a:r>
-              <a:rPr lang="en-US" sz="2000" dirty="0"/>
-              <a:t>ersonalized mobile health intervention</a:t>
-            </a:r>
-          </a:p>
-          <a:p>
-            <a:pPr marL="0" indent="0">
-              <a:buNone/>
-            </a:pPr>
-            <a:r>
-              <a:rPr lang="en-US" sz="2000" dirty="0"/>
-              <a:t>   4. </a:t>
-            </a:r>
-            <a:r>
-              <a:rPr lang="en-US" sz="2600" dirty="0"/>
-              <a:t>C</a:t>
-            </a:r>
-            <a:r>
-              <a:rPr lang="en-US" sz="2000" dirty="0"/>
-              <a:t>omputational model personalization</a:t>
+              <a:t>DRL </a:t>
+            </a:r>
+            <a:r>
+              <a:rPr lang="en-US" sz="2000" dirty="0"/>
+              <a:t>weight tuning policy was leverage in Radiotheraphy planning that takes the </a:t>
+            </a:r>
+          </a:p>
+          <a:p>
+            <a:pPr marL="0" indent="0">
+              <a:buNone/>
+            </a:pPr>
+            <a:r>
+              <a:rPr lang="en-US" sz="2000" dirty="0"/>
+              <a:t>      volume histogram as input and outputs  the adjusted weight with reward function</a:t>
+            </a:r>
+          </a:p>
+          <a:p>
+            <a:pPr marL="0" indent="0">
+              <a:buNone/>
+            </a:pPr>
+            <a:r>
+              <a:rPr lang="en-US" sz="2000" dirty="0"/>
+              <a:t>      sparing the organs at risk.</a:t>
+            </a:r>
+          </a:p>
+          <a:p>
+            <a:pPr marL="0" indent="0">
+              <a:buNone/>
+            </a:pPr>
+            <a:r>
+              <a:rPr lang="en-US" sz="2000" dirty="0"/>
+              <a:t>   </a:t>
+            </a:r>
+            <a:r>
+              <a:rPr lang="en-US" sz="2000" b="1" dirty="0"/>
+              <a:t>-</a:t>
+            </a:r>
+            <a:r>
+              <a:rPr lang="en-US" sz="2000" dirty="0"/>
+              <a:t> </a:t>
+            </a:r>
+            <a:r>
+              <a:rPr lang="en-US" sz="2400" dirty="0"/>
+              <a:t>T</a:t>
+            </a:r>
+            <a:r>
+              <a:rPr lang="en-US" sz="2000" dirty="0"/>
+              <a:t>his method proposed to improve the radiotherapy planning with yields of quality </a:t>
+            </a:r>
+          </a:p>
+          <a:p>
+            <a:pPr marL="0" indent="0">
+              <a:buNone/>
+            </a:pPr>
+            <a:r>
+              <a:rPr lang="en-US" sz="2000" dirty="0"/>
+              <a:t>      score 10.7% higher than human radiotherapy planner.</a:t>
             </a:r>
           </a:p>
         </p:txBody>
@@ -20046,7 +20661,7 @@
     </p:spTree>
     <p:extLst>
       <p:ext uri="{BB962C8B-B14F-4D97-AF65-F5344CB8AC3E}">
-        <p14:creationId xmlns:p14="http://schemas.microsoft.com/office/powerpoint/2010/main" val="1567893567"/>
+        <p14:creationId xmlns:p14="http://schemas.microsoft.com/office/powerpoint/2010/main" val="3414652712"/>
       </p:ext>
     </p:extLst>
   </p:cSld>
@@ -20122,9 +20737,28 @@
           <a:p>
             <a:r>
               <a:rPr lang="en-US" sz="3600" u="sng" dirty="0"/>
-              <a:t>Conclusions</a:t>
-            </a:r>
-            <a:endParaRPr lang="en-US" sz="3200" u="sng" dirty="0"/>
+              <a:t>D</a:t>
+            </a:r>
+            <a:r>
+              <a:rPr lang="en-US" sz="3200" u="sng" dirty="0"/>
+              <a:t>RL in </a:t>
+            </a:r>
+            <a:r>
+              <a:rPr lang="en-US" sz="3600" u="sng" dirty="0"/>
+              <a:t>M</a:t>
+            </a:r>
+            <a:r>
+              <a:rPr lang="en-US" sz="3200" u="sng" dirty="0"/>
+              <a:t>edical</a:t>
+            </a:r>
+            <a:r>
+              <a:rPr lang="en-US" sz="3600" u="sng" dirty="0"/>
+              <a:t> I</a:t>
+            </a:r>
+            <a:r>
+              <a:rPr lang="en-US" sz="3200" u="sng" dirty="0"/>
+              <a:t>maging</a:t>
+            </a:r>
           </a:p>
         </p:txBody>
       </p:sp>
@@ -20160,14 +20794,116 @@
               <a:buFont typeface="Wingdings" pitchFamily="2" charset="2"/>
               <a:buChar char="§"/>
             </a:pPr>
-            <a:endParaRPr lang="en-US" sz="2000" dirty="0"/>
+            <a:r>
+              <a:rPr lang="en-US" sz="3000" dirty="0"/>
+              <a:t>M</a:t>
+            </a:r>
+            <a:r>
+              <a:rPr lang="en-US" sz="2200" dirty="0"/>
+              <a:t>iscellaneous Topics</a:t>
+            </a:r>
+          </a:p>
+          <a:p>
+            <a:pPr marL="0" indent="0">
+              <a:buNone/>
+            </a:pPr>
+            <a:r>
+              <a:rPr lang="en-US" sz="2200" dirty="0"/>
+              <a:t>   - These topics  are for exploration, not related to medical images analysis but </a:t>
+            </a:r>
+          </a:p>
+          <a:p>
+            <a:pPr marL="0" indent="0">
+              <a:buNone/>
+            </a:pPr>
+            <a:r>
+              <a:rPr lang="en-US" sz="2200" dirty="0"/>
+              <a:t>      mostly uses based Reinforcement Learning. </a:t>
+            </a:r>
+          </a:p>
+          <a:p>
+            <a:pPr marL="0" indent="0">
+              <a:buNone/>
+            </a:pPr>
+            <a:r>
+              <a:rPr lang="en-US" sz="2000" dirty="0"/>
+              <a:t>      1. </a:t>
+            </a:r>
+            <a:r>
+              <a:rPr lang="en-US" sz="2600" dirty="0"/>
+              <a:t>V</a:t>
+            </a:r>
+            <a:r>
+              <a:rPr lang="en-US" sz="2000" dirty="0"/>
+              <a:t>ideo Summarization</a:t>
+            </a:r>
+          </a:p>
+          <a:p>
+            <a:pPr marL="0" indent="0">
+              <a:buNone/>
+            </a:pPr>
+            <a:r>
+              <a:rPr lang="en-US" sz="2000" dirty="0"/>
+              <a:t>      2. </a:t>
+            </a:r>
+            <a:r>
+              <a:rPr lang="en-US" sz="2600" dirty="0"/>
+              <a:t>S</a:t>
+            </a:r>
+            <a:r>
+              <a:rPr lang="en-US" sz="2000" dirty="0"/>
+              <a:t>urgical gesture segmentation and classification</a:t>
+            </a:r>
+          </a:p>
+          <a:p>
+            <a:pPr marL="0" indent="0">
+              <a:buNone/>
+            </a:pPr>
+            <a:r>
+              <a:rPr lang="en-US" sz="2000" dirty="0"/>
+              <a:t>      3. </a:t>
+            </a:r>
+            <a:r>
+              <a:rPr lang="en-US" sz="2600" dirty="0"/>
+              <a:t>P</a:t>
+            </a:r>
+            <a:r>
+              <a:rPr lang="en-US" sz="2000" dirty="0"/>
+              <a:t>ersonalized mobile health intervention</a:t>
+            </a:r>
+          </a:p>
+          <a:p>
+            <a:pPr marL="0" indent="0">
+              <a:buNone/>
+            </a:pPr>
+            <a:r>
+              <a:rPr lang="en-US" sz="2000" dirty="0"/>
+              <a:t>      4. </a:t>
+            </a:r>
+            <a:r>
+              <a:rPr lang="en-US" sz="2600" dirty="0"/>
+              <a:t>C</a:t>
+            </a:r>
+            <a:r>
+              <a:rPr lang="en-US" sz="2000" dirty="0"/>
+              <a:t>omputational model personalization</a:t>
+            </a:r>
+          </a:p>
+          <a:p>
+            <a:pPr marL="0" indent="0">
+              <a:buNone/>
+            </a:pPr>
+            <a:r>
+              <a:rPr lang="en-US" sz="2000" dirty="0"/>
+              <a:t>    </a:t>
+            </a:r>
           </a:p>
         </p:txBody>
       </p:sp>
     </p:spTree>
     <p:extLst>
       <p:ext uri="{BB962C8B-B14F-4D97-AF65-F5344CB8AC3E}">
-        <p14:creationId xmlns:p14="http://schemas.microsoft.com/office/powerpoint/2010/main" val="366666410"/>
+        <p14:creationId xmlns:p14="http://schemas.microsoft.com/office/powerpoint/2010/main" val="1567893567"/>
       </p:ext>
     </p:extLst>
   </p:cSld>
@@ -20194,10 +20930,183 @@
           <a:chExt cx="0" cy="0"/>
         </a:xfrm>
       </p:grpSpPr>
+      <p:sp>
+        <p:nvSpPr>
+          <p:cNvPr id="2" name="Title 1">
+            <a:extLst>
+              <a:ext uri="{FF2B5EF4-FFF2-40B4-BE49-F238E27FC236}">
+                <a16:creationId xmlns:a16="http://schemas.microsoft.com/office/drawing/2014/main" id="{EB0EA771-B566-2B49-9C0D-9E0BE51DDDC5}"/>
+              </a:ext>
+            </a:extLst>
+          </p:cNvPr>
+          <p:cNvSpPr txBox="1">
+            <a:spLocks/>
+          </p:cNvSpPr>
+          <p:nvPr/>
+        </p:nvSpPr>
+        <p:spPr>
+          <a:xfrm>
+            <a:off x="597062" y="181856"/>
+            <a:ext cx="10515600" cy="1325563"/>
+          </a:xfrm>
+          <a:prstGeom prst="rect">
+            <a:avLst/>
+          </a:prstGeom>
+        </p:spPr>
+        <p:txBody>
+          <a:bodyPr vert="horz" lIns="91440" tIns="45720" rIns="91440" bIns="45720" rtlCol="0" anchor="ctr">
+            <a:normAutofit/>
+          </a:bodyPr>
+          <a:lstStyle>
+            <a:lvl1pPr algn="l" defTabSz="914400" rtl="0" eaLnBrk="1" latinLnBrk="0" hangingPunct="1">
+              <a:lnSpc>
+                <a:spcPct val="90000"/>
+              </a:lnSpc>
+              <a:spcBef>
+                <a:spcPct val="0"/>
+              </a:spcBef>
+              <a:buNone/>
+              <a:defRPr sz="4000" i="0" kern="1200">
+                <a:solidFill>
+                  <a:schemeClr val="tx1"/>
+                </a:solidFill>
+                <a:latin typeface="+mj-lt"/>
+                <a:ea typeface="+mj-ea"/>
+                <a:cs typeface="+mj-cs"/>
+              </a:defRPr>
+            </a:lvl1pPr>
+          </a:lstStyle>
+          <a:p>
+            <a:r>
+              <a:rPr lang="en-US" sz="3600" u="sng" dirty="0"/>
+              <a:t>Conclusion</a:t>
+            </a:r>
+            <a:endParaRPr lang="en-US" sz="3200" u="sng" dirty="0"/>
+          </a:p>
+        </p:txBody>
+      </p:sp>
+      <p:sp>
+        <p:nvSpPr>
+          <p:cNvPr id="3" name="Content Placeholder 4">
+            <a:extLst>
+              <a:ext uri="{FF2B5EF4-FFF2-40B4-BE49-F238E27FC236}">
+                <a16:creationId xmlns:a16="http://schemas.microsoft.com/office/drawing/2014/main" id="{6CD54BF2-918C-E840-BA5F-84C8A157CB1D}"/>
+              </a:ext>
+            </a:extLst>
+          </p:cNvPr>
+          <p:cNvSpPr>
+            <a:spLocks noGrp="1"/>
+          </p:cNvSpPr>
+          <p:nvPr>
+            <p:ph idx="1"/>
+          </p:nvPr>
+        </p:nvSpPr>
+        <p:spPr>
+          <a:xfrm>
+            <a:off x="643362" y="1351918"/>
+            <a:ext cx="11221376" cy="4840538"/>
+          </a:xfrm>
+        </p:spPr>
+        <p:txBody>
+          <a:bodyPr>
+            <a:normAutofit/>
+          </a:bodyPr>
+          <a:lstStyle/>
+          <a:p>
+            <a:pPr>
+              <a:buFont typeface="Wingdings" pitchFamily="2" charset="2"/>
+              <a:buChar char="§"/>
+            </a:pPr>
+            <a:r>
+              <a:rPr lang="en-US" sz="2400" dirty="0"/>
+              <a:t>D</a:t>
+            </a:r>
+            <a:r>
+              <a:rPr lang="en-US" sz="2000" dirty="0"/>
+              <a:t>RL is powerful model in medical imaging analysis</a:t>
+            </a:r>
+          </a:p>
+          <a:p>
+            <a:pPr>
+              <a:buFont typeface="Wingdings" pitchFamily="2" charset="2"/>
+              <a:buChar char="§"/>
+            </a:pPr>
+            <a:r>
+              <a:rPr lang="en-US" sz="2400" dirty="0"/>
+              <a:t>S</a:t>
+            </a:r>
+            <a:r>
+              <a:rPr lang="en-US" sz="2000" dirty="0"/>
+              <a:t>uccessfully applied to various applications in landmark localization, object detection, </a:t>
+            </a:r>
+          </a:p>
+          <a:p>
+            <a:pPr marL="0" indent="0">
+              <a:buNone/>
+            </a:pPr>
+            <a:r>
+              <a:rPr lang="en-US" sz="2000" dirty="0"/>
+              <a:t>    image registration and image-based inferencing. </a:t>
+            </a:r>
+          </a:p>
+          <a:p>
+            <a:pPr>
+              <a:buFont typeface="Wingdings" pitchFamily="2" charset="2"/>
+              <a:buChar char="§"/>
+            </a:pPr>
+            <a:r>
+              <a:rPr lang="en-US" sz="2400" dirty="0"/>
+              <a:t>D</a:t>
+            </a:r>
+            <a:r>
+              <a:rPr lang="en-US" sz="2000" dirty="0"/>
+              <a:t>emonstrated effectiveness in tuning parameter optimization, image augmentation </a:t>
+            </a:r>
+          </a:p>
+          <a:p>
+            <a:pPr marL="0" indent="0">
+              <a:buNone/>
+            </a:pPr>
+            <a:r>
+              <a:rPr lang="en-US" sz="2000" dirty="0"/>
+              <a:t>   selection, and Neural Architecture Search (NAS).  </a:t>
+            </a:r>
+          </a:p>
+          <a:p>
+            <a:pPr>
+              <a:buFont typeface="Wingdings" pitchFamily="2" charset="2"/>
+              <a:buChar char="§"/>
+            </a:pPr>
+            <a:r>
+              <a:rPr lang="en-US" sz="2400" dirty="0"/>
+              <a:t>A</a:t>
+            </a:r>
+            <a:r>
+              <a:rPr lang="en-US" sz="2000" dirty="0"/>
+              <a:t>lthough some methods are not fully utilized in clinical requirement the current DRL</a:t>
+            </a:r>
+          </a:p>
+          <a:p>
+            <a:pPr marL="0" indent="0">
+              <a:buNone/>
+            </a:pPr>
+            <a:r>
+              <a:rPr lang="en-US" sz="2000" dirty="0"/>
+              <a:t>   model surpassed my expectations. </a:t>
+            </a:r>
+          </a:p>
+          <a:p>
+            <a:pPr marL="0" indent="0">
+              <a:buNone/>
+            </a:pPr>
+            <a:endParaRPr lang="en-US" sz="2000" dirty="0"/>
+          </a:p>
+        </p:txBody>
+      </p:sp>
     </p:spTree>
     <p:extLst>
       <p:ext uri="{BB962C8B-B14F-4D97-AF65-F5344CB8AC3E}">
-        <p14:creationId xmlns:p14="http://schemas.microsoft.com/office/powerpoint/2010/main" val="665992180"/>
+        <p14:creationId xmlns:p14="http://schemas.microsoft.com/office/powerpoint/2010/main" val="366666410"/>
       </p:ext>
     </p:extLst>
   </p:cSld>
@@ -20430,6 +21339,74 @@
     <p:extLst>
       <p:ext uri="{BB962C8B-B14F-4D97-AF65-F5344CB8AC3E}">
         <p14:creationId xmlns:p14="http://schemas.microsoft.com/office/powerpoint/2010/main" val="3256816468"/>
+      </p:ext>
+    </p:extLst>
+  </p:cSld>
+  <p:clrMapOvr>
+    <a:masterClrMapping/>
+  </p:clrMapOvr>
+</p:sld>
+</file>
+
+<file path=ppt/slides/slide40.xml><?xml version="1.0" encoding="utf-8"?>
+<p:sld xmlns:a="http://schemas.openxmlformats.org/drawingml/2006/main" xmlns:r="http://schemas.openxmlformats.org/officeDocument/2006/relationships" xmlns:p="http://schemas.openxmlformats.org/presentationml/2006/main">
+  <p:cSld>
+    <p:spTree>
+      <p:nvGrpSpPr>
+        <p:cNvPr id="1" name=""/>
+        <p:cNvGrpSpPr/>
+        <p:nvPr/>
+      </p:nvGrpSpPr>
+      <p:grpSpPr>
+        <a:xfrm>
+          <a:off x="0" y="0"/>
+          <a:ext cx="0" cy="0"/>
+          <a:chOff x="0" y="0"/>
+          <a:chExt cx="0" cy="0"/>
+        </a:xfrm>
+      </p:grpSpPr>
+      <p:sp>
+        <p:nvSpPr>
+          <p:cNvPr id="5" name="Content Placeholder 4">
+            <a:extLst>
+              <a:ext uri="{FF2B5EF4-FFF2-40B4-BE49-F238E27FC236}">
+                <a16:creationId xmlns:a16="http://schemas.microsoft.com/office/drawing/2014/main" id="{DBDBD4A9-D2E9-E248-9C39-4AC2720B0F95}"/>
+              </a:ext>
+            </a:extLst>
+          </p:cNvPr>
+          <p:cNvSpPr>
+            <a:spLocks noGrp="1"/>
+          </p:cNvSpPr>
+          <p:nvPr>
+            <p:ph idx="1"/>
+          </p:nvPr>
+        </p:nvSpPr>
+        <p:spPr>
+          <a:xfrm>
+            <a:off x="692428" y="2011680"/>
+            <a:ext cx="10515600" cy="2838616"/>
+          </a:xfrm>
+        </p:spPr>
+        <p:txBody>
+          <a:bodyPr anchor="ctr">
+            <a:normAutofit/>
+          </a:bodyPr>
+          <a:lstStyle/>
+          <a:p>
+            <a:pPr marL="0" indent="0" algn="ctr">
+              <a:buNone/>
+            </a:pPr>
+            <a:r>
+              <a:rPr lang="en-US" sz="3600" dirty="0"/>
+              <a:t>Thank You!!!</a:t>
+            </a:r>
+          </a:p>
+        </p:txBody>
+      </p:sp>
+    </p:spTree>
+    <p:extLst>
+      <p:ext uri="{BB962C8B-B14F-4D97-AF65-F5344CB8AC3E}">
+        <p14:creationId xmlns:p14="http://schemas.microsoft.com/office/powerpoint/2010/main" val="2989447465"/>
       </p:ext>
     </p:extLst>
   </p:cSld>
@@ -21040,7 +22017,7 @@
         </p:nvSpPr>
         <p:spPr>
           <a:xfrm>
-            <a:off x="990600" y="1566863"/>
+            <a:off x="990600" y="1421091"/>
             <a:ext cx="10515600" cy="4757737"/>
           </a:xfrm>
           <a:prstGeom prst="rect">
